--- a/project/Presentation/presentation.pptx
+++ b/project/Presentation/presentation.pptx
@@ -129,6 +129,11 @@
       </a:defRPr>
     </a:lvl9pPr>
   </p:defaultTextStyle>
+  <p:extLst>
+    <p:ext uri="{EFAFB233-063F-42B5-8137-9DF3F51BA10A}">
+      <p15:sldGuideLst xmlns:p15="http://schemas.microsoft.com/office/powerpoint/2012/main"/>
+    </p:ext>
+  </p:extLst>
 </p:presentation>
 </file>
 
@@ -2623,7 +2628,7 @@
           <a:p>
             <a:fld id="{E05189BA-01D0-0648-AF2A-6B4CD6B57EC9}" type="datetimeFigureOut">
               <a:rPr lang="en-US" smtClean="0"/>
-              <a:t>4/19/2022</a:t>
+              <a:t>4/20/2022</a:t>
             </a:fld>
             <a:endParaRPr lang="en-US"/>
           </a:p>
@@ -3258,8 +3263,8 @@
           </a:prstGeom>
         </p:spPr>
       </p:pic>
-      <mc:AlternateContent xmlns:mc="http://schemas.openxmlformats.org/markup-compatibility/2006">
-        <mc:Choice xmlns:a14="http://schemas.microsoft.com/office/drawing/2010/main" Requires="a14">
+      <mc:AlternateContent xmlns:mc="http://schemas.openxmlformats.org/markup-compatibility/2006" xmlns:a14="http://schemas.microsoft.com/office/drawing/2010/main">
+        <mc:Choice Requires="a14">
           <p:sp>
             <p:nvSpPr>
               <p:cNvPr id="6" name="TextBox 5">
@@ -3288,6 +3293,7 @@
               </a:bodyPr>
               <a:lstStyle/>
               <a:p>
+                <a:pPr/>
                 <a14:m>
                   <m:oMathPara xmlns:m="http://schemas.openxmlformats.org/officeDocument/2006/math">
                     <m:oMathParaPr>
@@ -3437,7 +3443,7 @@
             </p:txBody>
           </p:sp>
         </mc:Choice>
-        <mc:Fallback>
+        <mc:Fallback xmlns="">
           <p:sp>
             <p:nvSpPr>
               <p:cNvPr id="6" name="TextBox 5">
@@ -4643,41 +4649,36 @@
           </a:p>
         </p:txBody>
       </p:sp>
-      <p:sp>
-        <p:nvSpPr>
-          <p:cNvPr id="6" name="TextBox 5">
+      <p:pic>
+        <p:nvPicPr>
+          <p:cNvPr id="4" name="Picture 3">
             <a:extLst>
               <a:ext uri="{FF2B5EF4-FFF2-40B4-BE49-F238E27FC236}">
-                <a16:creationId xmlns:a16="http://schemas.microsoft.com/office/drawing/2014/main" id="{82320316-AB26-46F4-9197-F7A7B7F37AB8}"/>
+                <a16:creationId xmlns:a16="http://schemas.microsoft.com/office/drawing/2014/main" id="{04A4D88A-B255-411F-B3C3-757DE472E795}"/>
               </a:ext>
             </a:extLst>
           </p:cNvPr>
-          <p:cNvSpPr txBox="1"/>
+          <p:cNvPicPr>
+            <a:picLocks noChangeAspect="1"/>
+          </p:cNvPicPr>
           <p:nvPr/>
-        </p:nvSpPr>
+        </p:nvPicPr>
+        <p:blipFill>
+          <a:blip r:embed="rId2"/>
+          <a:stretch>
+            <a:fillRect/>
+          </a:stretch>
+        </p:blipFill>
         <p:spPr>
           <a:xfrm>
-            <a:off x="5026992" y="3059668"/>
-            <a:ext cx="1943652" cy="369332"/>
+            <a:off x="3649716" y="1512979"/>
+            <a:ext cx="4892567" cy="4037589"/>
           </a:xfrm>
           <a:prstGeom prst="rect">
             <a:avLst/>
           </a:prstGeom>
-          <a:noFill/>
         </p:spPr>
-        <p:txBody>
-          <a:bodyPr wrap="square" rtlCol="0">
-            <a:spAutoFit/>
-          </a:bodyPr>
-          <a:lstStyle/>
-          <a:p>
-            <a:r>
-              <a:rPr lang="en-GB" dirty="0"/>
-              <a:t>TODO</a:t>
-            </a:r>
-          </a:p>
-        </p:txBody>
-      </p:sp>
+      </p:pic>
     </p:spTree>
     <p:extLst>
       <p:ext uri="{BB962C8B-B14F-4D97-AF65-F5344CB8AC3E}">

--- a/project/Presentation/presentation.pptx
+++ b/project/Presentation/presentation.pptx
@@ -9,10 +9,10 @@
     <p:sldId id="307" r:id="rId3"/>
     <p:sldId id="305" r:id="rId4"/>
     <p:sldId id="306" r:id="rId5"/>
-    <p:sldId id="308" r:id="rId6"/>
-    <p:sldId id="304" r:id="rId7"/>
-    <p:sldId id="309" r:id="rId8"/>
-    <p:sldId id="310" r:id="rId9"/>
+    <p:sldId id="304" r:id="rId6"/>
+    <p:sldId id="309" r:id="rId7"/>
+    <p:sldId id="310" r:id="rId8"/>
+    <p:sldId id="308" r:id="rId9"/>
     <p:sldId id="299" r:id="rId10"/>
     <p:sldId id="297" r:id="rId11"/>
     <p:sldId id="300" r:id="rId12"/>
@@ -27,10 +27,11 @@
     <p:sldId id="293" r:id="rId21"/>
     <p:sldId id="294" r:id="rId22"/>
     <p:sldId id="296" r:id="rId23"/>
-    <p:sldId id="280" r:id="rId24"/>
-    <p:sldId id="282" r:id="rId25"/>
-    <p:sldId id="281" r:id="rId26"/>
-    <p:sldId id="285" r:id="rId27"/>
+    <p:sldId id="311" r:id="rId24"/>
+    <p:sldId id="280" r:id="rId25"/>
+    <p:sldId id="282" r:id="rId26"/>
+    <p:sldId id="281" r:id="rId27"/>
+    <p:sldId id="285" r:id="rId28"/>
   </p:sldIdLst>
   <p:sldSz cx="12192000" cy="6858000"/>
   <p:notesSz cx="6858000" cy="9144000"/>
@@ -2628,7 +2629,7 @@
           <a:p>
             <a:fld id="{E05189BA-01D0-0648-AF2A-6B4CD6B57EC9}" type="datetimeFigureOut">
               <a:rPr lang="en-US" smtClean="0"/>
-              <a:t>4/20/2022</a:t>
+              <a:t>5/2/2022</a:t>
             </a:fld>
             <a:endParaRPr lang="en-US"/>
           </a:p>
@@ -3082,7 +3083,7 @@
                 <a:effectLst/>
                 <a:latin typeface="Arial" panose="020B0604020202020204" pitchFamily="34" charset="0"/>
               </a:rPr>
-              <a:t>Weinzier</a:t>
+              <a:t>Weinzierl</a:t>
             </a:r>
             <a:endParaRPr lang="en-US" dirty="0"/>
           </a:p>
@@ -5025,6 +5026,36 @@
           <a:chExt cx="0" cy="0"/>
         </a:xfrm>
       </p:grpSpPr>
+    </p:spTree>
+    <p:extLst>
+      <p:ext uri="{BB962C8B-B14F-4D97-AF65-F5344CB8AC3E}">
+        <p14:creationId xmlns:p14="http://schemas.microsoft.com/office/powerpoint/2010/main" val="1959569771"/>
+      </p:ext>
+    </p:extLst>
+  </p:cSld>
+  <p:clrMapOvr>
+    <a:masterClrMapping/>
+  </p:clrMapOvr>
+</p:sld>
+</file>
+
+<file path=ppt/slides/slide24.xml><?xml version="1.0" encoding="utf-8"?>
+<p:sld xmlns:a="http://schemas.openxmlformats.org/drawingml/2006/main" xmlns:r="http://schemas.openxmlformats.org/officeDocument/2006/relationships" xmlns:p="http://schemas.openxmlformats.org/presentationml/2006/main">
+  <p:cSld>
+    <p:spTree>
+      <p:nvGrpSpPr>
+        <p:cNvPr id="1" name=""/>
+        <p:cNvGrpSpPr/>
+        <p:nvPr/>
+      </p:nvGrpSpPr>
+      <p:grpSpPr>
+        <a:xfrm>
+          <a:off x="0" y="0"/>
+          <a:ext cx="0" cy="0"/>
+          <a:chOff x="0" y="0"/>
+          <a:chExt cx="0" cy="0"/>
+        </a:xfrm>
+      </p:grpSpPr>
       <p:sp>
         <p:nvSpPr>
           <p:cNvPr id="2" name="Title 1"/>
@@ -5549,7 +5580,7 @@
 </p:sld>
 </file>
 
-<file path=ppt/slides/slide24.xml><?xml version="1.0" encoding="utf-8"?>
+<file path=ppt/slides/slide25.xml><?xml version="1.0" encoding="utf-8"?>
 <p:sld xmlns:a="http://schemas.openxmlformats.org/drawingml/2006/main" xmlns:r="http://schemas.openxmlformats.org/officeDocument/2006/relationships" xmlns:p="http://schemas.openxmlformats.org/presentationml/2006/main">
   <p:cSld>
     <p:spTree>
@@ -5915,7 +5946,7 @@
 </p:sld>
 </file>
 
-<file path=ppt/slides/slide25.xml><?xml version="1.0" encoding="utf-8"?>
+<file path=ppt/slides/slide26.xml><?xml version="1.0" encoding="utf-8"?>
 <p:sld xmlns:a="http://schemas.openxmlformats.org/drawingml/2006/main" xmlns:r="http://schemas.openxmlformats.org/officeDocument/2006/relationships" xmlns:p="http://schemas.openxmlformats.org/presentationml/2006/main">
   <p:cSld>
     <p:spTree>
@@ -6392,7 +6423,7 @@
 </p:sld>
 </file>
 
-<file path=ppt/slides/slide26.xml><?xml version="1.0" encoding="utf-8"?>
+<file path=ppt/slides/slide27.xml><?xml version="1.0" encoding="utf-8"?>
 <p:sld xmlns:a="http://schemas.openxmlformats.org/drawingml/2006/main" xmlns:r="http://schemas.openxmlformats.org/officeDocument/2006/relationships" xmlns:p="http://schemas.openxmlformats.org/presentationml/2006/main">
   <p:cSld>
     <p:spTree>
@@ -6996,13 +7027,7 @@
       </p:grpSpPr>
       <p:sp>
         <p:nvSpPr>
-          <p:cNvPr id="2" name="Title 1">
-            <a:extLst>
-              <a:ext uri="{FF2B5EF4-FFF2-40B4-BE49-F238E27FC236}">
-                <a16:creationId xmlns:a16="http://schemas.microsoft.com/office/drawing/2014/main" id="{30FB1CFE-F93B-408B-9737-368CFA064074}"/>
-              </a:ext>
-            </a:extLst>
-          </p:cNvPr>
+          <p:cNvPr id="2" name="Title 1"/>
           <p:cNvSpPr>
             <a:spLocks noGrp="1"/>
           </p:cNvSpPr>
@@ -7016,21 +7041,15 @@
           <a:lstStyle/>
           <a:p>
             <a:r>
-              <a:rPr lang="en-GB" dirty="0"/>
-              <a:t>Solution</a:t>
+              <a:rPr lang="en-US" dirty="0"/>
+              <a:t>Related</a:t>
             </a:r>
           </a:p>
         </p:txBody>
       </p:sp>
       <p:sp>
         <p:nvSpPr>
-          <p:cNvPr id="3" name="Content Placeholder 2">
-            <a:extLst>
-              <a:ext uri="{FF2B5EF4-FFF2-40B4-BE49-F238E27FC236}">
-                <a16:creationId xmlns:a16="http://schemas.microsoft.com/office/drawing/2014/main" id="{C6734BFC-45F0-4474-91E0-B8854680B10A}"/>
-              </a:ext>
-            </a:extLst>
-          </p:cNvPr>
+          <p:cNvPr id="3" name="Content Placeholder 2"/>
           <p:cNvSpPr>
             <a:spLocks noGrp="1"/>
           </p:cNvSpPr>
@@ -7041,245 +7060,104 @@
         <p:spPr>
           <a:xfrm>
             <a:off x="828737" y="1632944"/>
-            <a:ext cx="7603571" cy="1227096"/>
+            <a:ext cx="10108503" cy="3325136"/>
           </a:xfrm>
         </p:spPr>
         <p:txBody>
           <a:bodyPr/>
           <a:lstStyle/>
           <a:p>
-            <a:pPr marL="342900" indent="-342900">
-              <a:buFont typeface="Arial" panose="020B0604020202020204" pitchFamily="34" charset="0"/>
-              <a:buChar char="•"/>
+            <a:pPr marL="0" lvl="1" indent="0">
+              <a:buNone/>
             </a:pPr>
             <a:r>
               <a:rPr lang="en-GB" dirty="0"/>
-              <a:t>Domain specific compiler: FLAT</a:t>
-            </a:r>
-          </a:p>
-          <a:p>
-            <a:pPr marL="342900" indent="-342900">
-              <a:buFont typeface="Arial" panose="020B0604020202020204" pitchFamily="34" charset="0"/>
-              <a:buChar char="•"/>
+              <a:t>“Role-Oriented Code Generation in an Engine for Solving Hyperbolic PDE Systems” [1]</a:t>
+            </a:r>
+          </a:p>
+          <a:p>
+            <a:pPr lvl="1"/>
+            <a:r>
+              <a:rPr lang="en-GB" dirty="0"/>
+              <a:t>ExaHyPE</a:t>
+            </a:r>
+          </a:p>
+          <a:p>
+            <a:pPr lvl="1"/>
+            <a:r>
+              <a:rPr lang="en-GB" dirty="0"/>
+              <a:t>3 team roles</a:t>
+            </a:r>
+          </a:p>
+          <a:p>
+            <a:pPr lvl="1"/>
+            <a:r>
+              <a:rPr lang="en-GB" dirty="0"/>
+              <a:t>Use of jinja2 templating library</a:t>
+            </a:r>
+          </a:p>
+          <a:p>
+            <a:pPr lvl="1"/>
+            <a:r>
+              <a:rPr lang="en-GB" dirty="0"/>
+              <a:t>Architecture aware optimisations</a:t>
+            </a:r>
+          </a:p>
+          <a:p>
+            <a:pPr marL="0" lvl="1" indent="0">
+              <a:buNone/>
             </a:pPr>
-            <a:r>
-              <a:rPr lang="en-GB" dirty="0"/>
-              <a:t>Flat Long And potentially Transformed code</a:t>
-            </a:r>
+            <a:endParaRPr lang="en-GB" dirty="0"/>
           </a:p>
         </p:txBody>
       </p:sp>
       <p:sp>
         <p:nvSpPr>
-          <p:cNvPr id="4" name="Content Placeholder 2">
+          <p:cNvPr id="4" name="TextBox 3">
             <a:extLst>
               <a:ext uri="{FF2B5EF4-FFF2-40B4-BE49-F238E27FC236}">
-                <a16:creationId xmlns:a16="http://schemas.microsoft.com/office/drawing/2014/main" id="{86E82500-5072-4DF9-9907-00C57979E8CA}"/>
+                <a16:creationId xmlns:a16="http://schemas.microsoft.com/office/drawing/2014/main" id="{E8319874-0D57-453A-AA68-43D76EDEC5B8}"/>
               </a:ext>
             </a:extLst>
           </p:cNvPr>
-          <p:cNvSpPr txBox="1">
-            <a:spLocks/>
-          </p:cNvSpPr>
+          <p:cNvSpPr txBox="1"/>
           <p:nvPr/>
         </p:nvSpPr>
         <p:spPr>
           <a:xfrm>
-            <a:off x="828737" y="3281956"/>
-            <a:ext cx="9625903" cy="2357153"/>
+            <a:off x="3997960" y="5781040"/>
+            <a:ext cx="8158480" cy="646331"/>
           </a:xfrm>
           <a:prstGeom prst="rect">
             <a:avLst/>
           </a:prstGeom>
+          <a:noFill/>
         </p:spPr>
         <p:txBody>
-          <a:bodyPr vert="horz" lIns="0" tIns="0" rIns="0" bIns="0" rtlCol="0">
-            <a:noAutofit/>
+          <a:bodyPr wrap="square" rtlCol="0">
+            <a:spAutoFit/>
           </a:bodyPr>
-          <a:lstStyle>
-            <a:lvl1pPr marL="0" indent="0" algn="l" defTabSz="609585" rtl="0" eaLnBrk="1" latinLnBrk="0" hangingPunct="1">
-              <a:spcBef>
-                <a:spcPts val="1067"/>
-              </a:spcBef>
-              <a:buFont typeface="Arial"/>
-              <a:buNone/>
-              <a:defRPr sz="2400" kern="1200">
-                <a:solidFill>
-                  <a:srgbClr val="002A41"/>
-                </a:solidFill>
-                <a:latin typeface="Arial"/>
-                <a:ea typeface="+mn-ea"/>
-                <a:cs typeface="Arial"/>
-              </a:defRPr>
-            </a:lvl1pPr>
-            <a:lvl2pPr marL="383990" indent="-383990" algn="l" defTabSz="609585" rtl="0" eaLnBrk="1" latinLnBrk="0" hangingPunct="1">
-              <a:spcBef>
-                <a:spcPts val="1067"/>
-              </a:spcBef>
-              <a:buClr>
-                <a:srgbClr val="68246D"/>
-              </a:buClr>
-              <a:buFont typeface="Arial"/>
-              <a:buChar char="•"/>
-              <a:defRPr sz="2400" kern="1200">
-                <a:solidFill>
-                  <a:srgbClr val="002A41"/>
-                </a:solidFill>
-                <a:latin typeface="Arial"/>
-                <a:ea typeface="+mn-ea"/>
-                <a:cs typeface="Arial"/>
-              </a:defRPr>
-            </a:lvl2pPr>
-            <a:lvl3pPr marL="767981" indent="-383990" algn="l" defTabSz="609585" rtl="0" eaLnBrk="1" latinLnBrk="0" hangingPunct="1">
-              <a:spcBef>
-                <a:spcPts val="1067"/>
-              </a:spcBef>
-              <a:buFont typeface="Lucida Grande"/>
-              <a:buChar char="–"/>
-              <a:defRPr sz="2400" kern="1200">
-                <a:solidFill>
-                  <a:srgbClr val="002A41"/>
-                </a:solidFill>
-                <a:latin typeface="Arial"/>
-                <a:ea typeface="+mn-ea"/>
-                <a:cs typeface="Arial"/>
-              </a:defRPr>
-            </a:lvl3pPr>
-            <a:lvl4pPr marL="2133547" indent="-304792" algn="l" defTabSz="609585" rtl="0" eaLnBrk="1" latinLnBrk="0" hangingPunct="1">
-              <a:spcBef>
-                <a:spcPct val="20000"/>
-              </a:spcBef>
-              <a:buFont typeface="Arial"/>
-              <a:buChar char="–"/>
-              <a:defRPr sz="2400" kern="1200">
-                <a:solidFill>
-                  <a:schemeClr val="tx1"/>
-                </a:solidFill>
-                <a:latin typeface="Arial"/>
-                <a:ea typeface="+mn-ea"/>
-                <a:cs typeface="Arial"/>
-              </a:defRPr>
-            </a:lvl4pPr>
-            <a:lvl5pPr marL="2743131" indent="-304792" algn="l" defTabSz="609585" rtl="0" eaLnBrk="1" latinLnBrk="0" hangingPunct="1">
-              <a:spcBef>
-                <a:spcPct val="20000"/>
-              </a:spcBef>
-              <a:buFont typeface="Arial"/>
-              <a:buChar char="»"/>
-              <a:defRPr sz="2400" kern="1200">
-                <a:solidFill>
-                  <a:schemeClr val="tx1"/>
-                </a:solidFill>
-                <a:latin typeface="Arial"/>
-                <a:ea typeface="+mn-ea"/>
-                <a:cs typeface="Arial"/>
-              </a:defRPr>
-            </a:lvl5pPr>
-            <a:lvl6pPr marL="3352716" indent="-304792" algn="l" defTabSz="609585" rtl="0" eaLnBrk="1" latinLnBrk="0" hangingPunct="1">
-              <a:spcBef>
-                <a:spcPct val="20000"/>
-              </a:spcBef>
-              <a:buFont typeface="Arial"/>
-              <a:buChar char="•"/>
-              <a:defRPr sz="2667" kern="1200">
-                <a:solidFill>
-                  <a:schemeClr val="tx1"/>
-                </a:solidFill>
-                <a:latin typeface="+mn-lt"/>
-                <a:ea typeface="+mn-ea"/>
-                <a:cs typeface="+mn-cs"/>
-              </a:defRPr>
-            </a:lvl6pPr>
-            <a:lvl7pPr marL="3962301" indent="-304792" algn="l" defTabSz="609585" rtl="0" eaLnBrk="1" latinLnBrk="0" hangingPunct="1">
-              <a:spcBef>
-                <a:spcPct val="20000"/>
-              </a:spcBef>
-              <a:buFont typeface="Arial"/>
-              <a:buChar char="•"/>
-              <a:defRPr sz="2667" kern="1200">
-                <a:solidFill>
-                  <a:schemeClr val="tx1"/>
-                </a:solidFill>
-                <a:latin typeface="+mn-lt"/>
-                <a:ea typeface="+mn-ea"/>
-                <a:cs typeface="+mn-cs"/>
-              </a:defRPr>
-            </a:lvl7pPr>
-            <a:lvl8pPr marL="4571886" indent="-304792" algn="l" defTabSz="609585" rtl="0" eaLnBrk="1" latinLnBrk="0" hangingPunct="1">
-              <a:spcBef>
-                <a:spcPct val="20000"/>
-              </a:spcBef>
-              <a:buFont typeface="Arial"/>
-              <a:buChar char="•"/>
-              <a:defRPr sz="2667" kern="1200">
-                <a:solidFill>
-                  <a:schemeClr val="tx1"/>
-                </a:solidFill>
-                <a:latin typeface="+mn-lt"/>
-                <a:ea typeface="+mn-ea"/>
-                <a:cs typeface="+mn-cs"/>
-              </a:defRPr>
-            </a:lvl8pPr>
-            <a:lvl9pPr marL="5181470" indent="-304792" algn="l" defTabSz="609585" rtl="0" eaLnBrk="1" latinLnBrk="0" hangingPunct="1">
-              <a:spcBef>
-                <a:spcPct val="20000"/>
-              </a:spcBef>
-              <a:buFont typeface="Arial"/>
-              <a:buChar char="•"/>
-              <a:defRPr sz="2667" kern="1200">
-                <a:solidFill>
-                  <a:schemeClr val="tx1"/>
-                </a:solidFill>
-                <a:latin typeface="+mn-lt"/>
-                <a:ea typeface="+mn-ea"/>
-                <a:cs typeface="+mn-cs"/>
-              </a:defRPr>
-            </a:lvl9pPr>
-          </a:lstStyle>
+          <a:lstStyle/>
           <a:p>
             <a:r>
               <a:rPr lang="en-GB" dirty="0"/>
-              <a:t>Goals:</a:t>
-            </a:r>
-          </a:p>
-          <a:p>
-            <a:pPr marL="342900" indent="-342900">
-              <a:buFont typeface="Arial" panose="020B0604020202020204" pitchFamily="34" charset="0"/>
-              <a:buChar char="•"/>
-            </a:pPr>
+              <a:t>[1] Jean-Matthieu </a:t>
+            </a:r>
+            <a:r>
+              <a:rPr lang="en-GB" dirty="0" err="1"/>
+              <a:t>Gallard</a:t>
+            </a:r>
             <a:r>
               <a:rPr lang="en-GB" dirty="0"/>
-              <a:t>Supporting a large range of problems </a:t>
-            </a:r>
-          </a:p>
-          <a:p>
-            <a:pPr marL="342900" indent="-342900">
-              <a:buFont typeface="Arial" panose="020B0604020202020204" pitchFamily="34" charset="0"/>
-              <a:buChar char="•"/>
-            </a:pPr>
+              <a:t> et al. “Role-Oriented Code Generation in an Engine for Solving Hyperbolic PDE Systems”. In: </a:t>
+            </a:r>
+            <a:r>
+              <a:rPr lang="en-GB" dirty="0" err="1"/>
+              <a:t>CoRR</a:t>
+            </a:r>
             <a:r>
               <a:rPr lang="en-GB" dirty="0"/>
-              <a:t>Generating code that is faster than the current default code </a:t>
-            </a:r>
-          </a:p>
-          <a:p>
-            <a:pPr marL="342900" indent="-342900">
-              <a:buFont typeface="Arial" panose="020B0604020202020204" pitchFamily="34" charset="0"/>
-              <a:buChar char="•"/>
-            </a:pPr>
-            <a:r>
-              <a:rPr lang="en-GB" dirty="0"/>
-              <a:t>User friendly</a:t>
-            </a:r>
-          </a:p>
-          <a:p>
-            <a:pPr marL="342900" indent="-342900">
-              <a:buFont typeface="Arial" panose="020B0604020202020204" pitchFamily="34" charset="0"/>
-              <a:buChar char="•"/>
-            </a:pPr>
-            <a:r>
-              <a:rPr lang="en-GB" dirty="0"/>
-              <a:t>Practical to use</a:t>
+              <a:t> abs/1911.06817 (2019). </a:t>
             </a:r>
           </a:p>
         </p:txBody>
@@ -7287,7 +7165,7 @@
     </p:spTree>
     <p:extLst>
       <p:ext uri="{BB962C8B-B14F-4D97-AF65-F5344CB8AC3E}">
-        <p14:creationId xmlns:p14="http://schemas.microsoft.com/office/powerpoint/2010/main" val="3010692290"/>
+        <p14:creationId xmlns:p14="http://schemas.microsoft.com/office/powerpoint/2010/main" val="3659588585"/>
       </p:ext>
     </p:extLst>
   </p:cSld>
@@ -7349,7 +7227,7 @@
         <p:spPr>
           <a:xfrm>
             <a:off x="828737" y="1632944"/>
-            <a:ext cx="10108503" cy="3325136"/>
+            <a:ext cx="7603571" cy="3767096"/>
           </a:xfrm>
         </p:spPr>
         <p:txBody>
@@ -7361,36 +7239,41 @@
             </a:pPr>
             <a:r>
               <a:rPr lang="en-GB" dirty="0"/>
-              <a:t>“Role-Oriented Code Generation in an Engine for Solving Hyperbolic PDE Systems” [1]</a:t>
+              <a:t>YATeTo – Yet Another Tensor Toolbox [2]</a:t>
             </a:r>
           </a:p>
           <a:p>
             <a:pPr lvl="1"/>
             <a:r>
+              <a:rPr lang="en-GB" dirty="0" err="1"/>
+              <a:t>SeiSol</a:t>
+            </a:r>
+            <a:endParaRPr lang="en-GB" dirty="0"/>
+          </a:p>
+          <a:p>
+            <a:pPr lvl="1"/>
+            <a:r>
               <a:rPr lang="en-GB" dirty="0"/>
-              <a:t>ExaHyPE</a:t>
+              <a:t>Linear Problem</a:t>
             </a:r>
           </a:p>
           <a:p>
             <a:pPr lvl="1"/>
             <a:r>
               <a:rPr lang="en-GB" dirty="0"/>
-              <a:t>3 team roles</a:t>
+              <a:t>GEMM libraries</a:t>
             </a:r>
           </a:p>
           <a:p>
             <a:pPr lvl="1"/>
             <a:r>
               <a:rPr lang="en-GB" dirty="0"/>
-              <a:t>Use of jinja2 templating library</a:t>
+              <a:t>1.1x to 6.5x speedup</a:t>
             </a:r>
           </a:p>
           <a:p>
             <a:pPr lvl="1"/>
-            <a:r>
-              <a:rPr lang="en-GB" dirty="0"/>
-              <a:t>Architecture aware optimisations</a:t>
-            </a:r>
+            <a:endParaRPr lang="en-GB" dirty="0"/>
           </a:p>
           <a:p>
             <a:pPr marL="0" lvl="1" indent="0">
@@ -7415,7 +7298,7 @@
         <p:spPr>
           <a:xfrm>
             <a:off x="3997960" y="5781040"/>
-            <a:ext cx="8158480" cy="646331"/>
+            <a:ext cx="8158480" cy="923330"/>
           </a:xfrm>
           <a:prstGeom prst="rect">
             <a:avLst/>
@@ -7430,23 +7313,31 @@
           <a:p>
             <a:r>
               <a:rPr lang="en-GB" dirty="0"/>
-              <a:t>[1] Jean-Matthieu </a:t>
+              <a:t>[2] Carsten </a:t>
             </a:r>
             <a:r>
               <a:rPr lang="en-GB" dirty="0" err="1"/>
-              <a:t>Gallard</a:t>
+              <a:t>Uphoff</a:t>
             </a:r>
             <a:r>
               <a:rPr lang="en-GB" dirty="0"/>
-              <a:t> et al. “Role-Oriented Code Generation in an Engine for Solving Hyperbolic PDE Systems”. In: </a:t>
+              <a:t> and Michael Bader. “Yet Another Tensor Toolbox for Discontinuous </a:t>
             </a:r>
             <a:r>
               <a:rPr lang="en-GB" dirty="0" err="1"/>
-              <a:t>CoRR</a:t>
+              <a:t>Galerkin</a:t>
             </a:r>
             <a:r>
               <a:rPr lang="en-GB" dirty="0"/>
-              <a:t> abs/1911.06817 (2019). </a:t>
+              <a:t> Methods and Other Applications”. In: ACM Trans. Math. </a:t>
+            </a:r>
+            <a:r>
+              <a:rPr lang="en-GB" dirty="0" err="1"/>
+              <a:t>Softw</a:t>
+            </a:r>
+            <a:r>
+              <a:rPr lang="en-GB" dirty="0"/>
+              <a:t>. 46.4 (Oct. 2020). ISSN: 0098-3500. DOI: 10.1145/3406835.</a:t>
             </a:r>
           </a:p>
         </p:txBody>
@@ -7454,7 +7345,7 @@
     </p:spTree>
     <p:extLst>
       <p:ext uri="{BB962C8B-B14F-4D97-AF65-F5344CB8AC3E}">
-        <p14:creationId xmlns:p14="http://schemas.microsoft.com/office/powerpoint/2010/main" val="3659588585"/>
+        <p14:creationId xmlns:p14="http://schemas.microsoft.com/office/powerpoint/2010/main" val="1567459864"/>
       </p:ext>
     </p:extLst>
   </p:cSld>
@@ -7516,7 +7407,7 @@
         <p:spPr>
           <a:xfrm>
             <a:off x="828737" y="1632944"/>
-            <a:ext cx="7603571" cy="3767096"/>
+            <a:ext cx="10763823" cy="3767096"/>
           </a:xfrm>
         </p:spPr>
         <p:txBody>
@@ -7528,41 +7419,37 @@
             </a:pPr>
             <a:r>
               <a:rPr lang="en-GB" dirty="0"/>
-              <a:t>YATeTo – Yet Another Tensor Toolbox [2]</a:t>
+              <a:t>“Automatic Code Generation for High-Performance Discontinuous </a:t>
+            </a:r>
+            <a:r>
+              <a:rPr lang="en-GB" dirty="0" err="1"/>
+              <a:t>Galerkin</a:t>
+            </a:r>
+            <a:r>
+              <a:rPr lang="en-GB" dirty="0"/>
+              <a:t> Methods on Modern Architectures” [3]</a:t>
             </a:r>
           </a:p>
           <a:p>
             <a:pPr lvl="1"/>
             <a:r>
-              <a:rPr lang="en-GB" dirty="0" err="1"/>
-              <a:t>SeiSol</a:t>
-            </a:r>
-            <a:endParaRPr lang="en-GB" dirty="0"/>
+              <a:rPr lang="en-GB" dirty="0"/>
+              <a:t>Manual SIMD optimisations</a:t>
+            </a:r>
           </a:p>
           <a:p>
             <a:pPr lvl="1"/>
             <a:r>
               <a:rPr lang="en-GB" dirty="0"/>
-              <a:t>Linear Problem</a:t>
+              <a:t>Argue developers know best</a:t>
             </a:r>
           </a:p>
           <a:p>
             <a:pPr lvl="1"/>
             <a:r>
               <a:rPr lang="en-GB" dirty="0"/>
-              <a:t>GEMM libraries</a:t>
-            </a:r>
-          </a:p>
-          <a:p>
-            <a:pPr lvl="1"/>
-            <a:r>
-              <a:rPr lang="en-GB" dirty="0"/>
-              <a:t>1.1x to 6.5x speedup</a:t>
-            </a:r>
-          </a:p>
-          <a:p>
-            <a:pPr lvl="1"/>
-            <a:endParaRPr lang="en-GB" dirty="0"/>
+              <a:t>50% peak floating point performance</a:t>
+            </a:r>
           </a:p>
           <a:p>
             <a:pPr marL="0" lvl="1" indent="0">
@@ -7602,15 +7489,15 @@
           <a:p>
             <a:r>
               <a:rPr lang="en-GB" dirty="0"/>
-              <a:t>[2] Carsten </a:t>
+              <a:t>[2] Dominic </a:t>
             </a:r>
             <a:r>
               <a:rPr lang="en-GB" dirty="0" err="1"/>
-              <a:t>Uphoff</a:t>
+              <a:t>Kempf</a:t>
             </a:r>
             <a:r>
               <a:rPr lang="en-GB" dirty="0"/>
-              <a:t> and Michael Bader. “Yet Another Tensor Toolbox for Discontinuous </a:t>
+              <a:t> et al. Automatic Code Generation for High-Performance Discontinuous </a:t>
             </a:r>
             <a:r>
               <a:rPr lang="en-GB" dirty="0" err="1"/>
@@ -7618,15 +7505,7 @@
             </a:r>
             <a:r>
               <a:rPr lang="en-GB" dirty="0"/>
-              <a:t> Methods and Other Applications”. In: ACM Trans. Math. </a:t>
-            </a:r>
-            <a:r>
-              <a:rPr lang="en-GB" dirty="0" err="1"/>
-              <a:t>Softw</a:t>
-            </a:r>
-            <a:r>
-              <a:rPr lang="en-GB" dirty="0"/>
-              <a:t>. 46.4 (Oct. 2020). ISSN: 0098-3500. DOI: 10.1145/3406835.</a:t>
+              <a:t> Methods on Modern Architectures. 2018. DOI: 10.48550/ARXIV.1812. 08075. URL: https://arxiv.org/abs/1812.08075.</a:t>
             </a:r>
           </a:p>
         </p:txBody>
@@ -7634,7 +7513,7 @@
     </p:spTree>
     <p:extLst>
       <p:ext uri="{BB962C8B-B14F-4D97-AF65-F5344CB8AC3E}">
-        <p14:creationId xmlns:p14="http://schemas.microsoft.com/office/powerpoint/2010/main" val="1567459864"/>
+        <p14:creationId xmlns:p14="http://schemas.microsoft.com/office/powerpoint/2010/main" val="4224312775"/>
       </p:ext>
     </p:extLst>
   </p:cSld>
@@ -7663,7 +7542,13 @@
       </p:grpSpPr>
       <p:sp>
         <p:nvSpPr>
-          <p:cNvPr id="2" name="Title 1"/>
+          <p:cNvPr id="2" name="Title 1">
+            <a:extLst>
+              <a:ext uri="{FF2B5EF4-FFF2-40B4-BE49-F238E27FC236}">
+                <a16:creationId xmlns:a16="http://schemas.microsoft.com/office/drawing/2014/main" id="{30FB1CFE-F93B-408B-9737-368CFA064074}"/>
+              </a:ext>
+            </a:extLst>
+          </p:cNvPr>
           <p:cNvSpPr>
             <a:spLocks noGrp="1"/>
           </p:cNvSpPr>
@@ -7677,15 +7562,21 @@
           <a:lstStyle/>
           <a:p>
             <a:r>
-              <a:rPr lang="en-US" dirty="0"/>
-              <a:t>Related</a:t>
+              <a:rPr lang="en-GB" dirty="0"/>
+              <a:t>Solution</a:t>
             </a:r>
           </a:p>
         </p:txBody>
       </p:sp>
       <p:sp>
         <p:nvSpPr>
-          <p:cNvPr id="3" name="Content Placeholder 2"/>
+          <p:cNvPr id="3" name="Content Placeholder 2">
+            <a:extLst>
+              <a:ext uri="{FF2B5EF4-FFF2-40B4-BE49-F238E27FC236}">
+                <a16:creationId xmlns:a16="http://schemas.microsoft.com/office/drawing/2014/main" id="{C6734BFC-45F0-4474-91E0-B8854680B10A}"/>
+              </a:ext>
+            </a:extLst>
+          </p:cNvPr>
           <p:cNvSpPr>
             <a:spLocks noGrp="1"/>
           </p:cNvSpPr>
@@ -7696,105 +7587,245 @@
         <p:spPr>
           <a:xfrm>
             <a:off x="828737" y="1632944"/>
-            <a:ext cx="10763823" cy="3767096"/>
+            <a:ext cx="7603571" cy="1227096"/>
           </a:xfrm>
         </p:spPr>
         <p:txBody>
           <a:bodyPr/>
           <a:lstStyle/>
           <a:p>
-            <a:pPr marL="0" lvl="1" indent="0">
-              <a:buNone/>
+            <a:pPr marL="342900" indent="-342900">
+              <a:buFont typeface="Arial" panose="020B0604020202020204" pitchFamily="34" charset="0"/>
+              <a:buChar char="•"/>
             </a:pPr>
             <a:r>
               <a:rPr lang="en-GB" dirty="0"/>
-              <a:t>“Automatic Code Generation for High-Performance Discontinuous </a:t>
-            </a:r>
-            <a:r>
-              <a:rPr lang="en-GB" dirty="0" err="1"/>
-              <a:t>Galerkin</a:t>
-            </a:r>
+              <a:t>Domain specific compiler: FLAT</a:t>
+            </a:r>
+          </a:p>
+          <a:p>
+            <a:pPr marL="342900" indent="-342900">
+              <a:buFont typeface="Arial" panose="020B0604020202020204" pitchFamily="34" charset="0"/>
+              <a:buChar char="•"/>
+            </a:pPr>
             <a:r>
               <a:rPr lang="en-GB" dirty="0"/>
-              <a:t> Methods on Modern Architectures” [3]</a:t>
-            </a:r>
-          </a:p>
-          <a:p>
-            <a:pPr lvl="1"/>
-            <a:r>
-              <a:rPr lang="en-GB" dirty="0"/>
-              <a:t>Manual SIMD optimisations</a:t>
-            </a:r>
-          </a:p>
-          <a:p>
-            <a:pPr lvl="1"/>
-            <a:r>
-              <a:rPr lang="en-GB" dirty="0"/>
-              <a:t>Argue developers know best</a:t>
-            </a:r>
-          </a:p>
-          <a:p>
-            <a:pPr lvl="1"/>
-            <a:r>
-              <a:rPr lang="en-GB" dirty="0"/>
-              <a:t>50% peak floating point performance</a:t>
-            </a:r>
-          </a:p>
-          <a:p>
-            <a:pPr marL="0" lvl="1" indent="0">
-              <a:buNone/>
-            </a:pPr>
-            <a:endParaRPr lang="en-GB" dirty="0"/>
+              <a:t>Flat Long And potentially Transformed code</a:t>
+            </a:r>
           </a:p>
         </p:txBody>
       </p:sp>
       <p:sp>
         <p:nvSpPr>
-          <p:cNvPr id="4" name="TextBox 3">
+          <p:cNvPr id="4" name="Content Placeholder 2">
             <a:extLst>
               <a:ext uri="{FF2B5EF4-FFF2-40B4-BE49-F238E27FC236}">
-                <a16:creationId xmlns:a16="http://schemas.microsoft.com/office/drawing/2014/main" id="{E8319874-0D57-453A-AA68-43D76EDEC5B8}"/>
+                <a16:creationId xmlns:a16="http://schemas.microsoft.com/office/drawing/2014/main" id="{86E82500-5072-4DF9-9907-00C57979E8CA}"/>
               </a:ext>
             </a:extLst>
           </p:cNvPr>
-          <p:cNvSpPr txBox="1"/>
+          <p:cNvSpPr txBox="1">
+            <a:spLocks/>
+          </p:cNvSpPr>
           <p:nvPr/>
         </p:nvSpPr>
         <p:spPr>
           <a:xfrm>
-            <a:off x="3997960" y="5781040"/>
-            <a:ext cx="8158480" cy="923330"/>
+            <a:off x="828737" y="3281956"/>
+            <a:ext cx="9625903" cy="2357153"/>
           </a:xfrm>
           <a:prstGeom prst="rect">
             <a:avLst/>
           </a:prstGeom>
-          <a:noFill/>
         </p:spPr>
         <p:txBody>
-          <a:bodyPr wrap="square" rtlCol="0">
-            <a:spAutoFit/>
+          <a:bodyPr vert="horz" lIns="0" tIns="0" rIns="0" bIns="0" rtlCol="0">
+            <a:noAutofit/>
           </a:bodyPr>
-          <a:lstStyle/>
+          <a:lstStyle>
+            <a:lvl1pPr marL="0" indent="0" algn="l" defTabSz="609585" rtl="0" eaLnBrk="1" latinLnBrk="0" hangingPunct="1">
+              <a:spcBef>
+                <a:spcPts val="1067"/>
+              </a:spcBef>
+              <a:buFont typeface="Arial"/>
+              <a:buNone/>
+              <a:defRPr sz="2400" kern="1200">
+                <a:solidFill>
+                  <a:srgbClr val="002A41"/>
+                </a:solidFill>
+                <a:latin typeface="Arial"/>
+                <a:ea typeface="+mn-ea"/>
+                <a:cs typeface="Arial"/>
+              </a:defRPr>
+            </a:lvl1pPr>
+            <a:lvl2pPr marL="383990" indent="-383990" algn="l" defTabSz="609585" rtl="0" eaLnBrk="1" latinLnBrk="0" hangingPunct="1">
+              <a:spcBef>
+                <a:spcPts val="1067"/>
+              </a:spcBef>
+              <a:buClr>
+                <a:srgbClr val="68246D"/>
+              </a:buClr>
+              <a:buFont typeface="Arial"/>
+              <a:buChar char="•"/>
+              <a:defRPr sz="2400" kern="1200">
+                <a:solidFill>
+                  <a:srgbClr val="002A41"/>
+                </a:solidFill>
+                <a:latin typeface="Arial"/>
+                <a:ea typeface="+mn-ea"/>
+                <a:cs typeface="Arial"/>
+              </a:defRPr>
+            </a:lvl2pPr>
+            <a:lvl3pPr marL="767981" indent="-383990" algn="l" defTabSz="609585" rtl="0" eaLnBrk="1" latinLnBrk="0" hangingPunct="1">
+              <a:spcBef>
+                <a:spcPts val="1067"/>
+              </a:spcBef>
+              <a:buFont typeface="Lucida Grande"/>
+              <a:buChar char="–"/>
+              <a:defRPr sz="2400" kern="1200">
+                <a:solidFill>
+                  <a:srgbClr val="002A41"/>
+                </a:solidFill>
+                <a:latin typeface="Arial"/>
+                <a:ea typeface="+mn-ea"/>
+                <a:cs typeface="Arial"/>
+              </a:defRPr>
+            </a:lvl3pPr>
+            <a:lvl4pPr marL="2133547" indent="-304792" algn="l" defTabSz="609585" rtl="0" eaLnBrk="1" latinLnBrk="0" hangingPunct="1">
+              <a:spcBef>
+                <a:spcPct val="20000"/>
+              </a:spcBef>
+              <a:buFont typeface="Arial"/>
+              <a:buChar char="–"/>
+              <a:defRPr sz="2400" kern="1200">
+                <a:solidFill>
+                  <a:schemeClr val="tx1"/>
+                </a:solidFill>
+                <a:latin typeface="Arial"/>
+                <a:ea typeface="+mn-ea"/>
+                <a:cs typeface="Arial"/>
+              </a:defRPr>
+            </a:lvl4pPr>
+            <a:lvl5pPr marL="2743131" indent="-304792" algn="l" defTabSz="609585" rtl="0" eaLnBrk="1" latinLnBrk="0" hangingPunct="1">
+              <a:spcBef>
+                <a:spcPct val="20000"/>
+              </a:spcBef>
+              <a:buFont typeface="Arial"/>
+              <a:buChar char="»"/>
+              <a:defRPr sz="2400" kern="1200">
+                <a:solidFill>
+                  <a:schemeClr val="tx1"/>
+                </a:solidFill>
+                <a:latin typeface="Arial"/>
+                <a:ea typeface="+mn-ea"/>
+                <a:cs typeface="Arial"/>
+              </a:defRPr>
+            </a:lvl5pPr>
+            <a:lvl6pPr marL="3352716" indent="-304792" algn="l" defTabSz="609585" rtl="0" eaLnBrk="1" latinLnBrk="0" hangingPunct="1">
+              <a:spcBef>
+                <a:spcPct val="20000"/>
+              </a:spcBef>
+              <a:buFont typeface="Arial"/>
+              <a:buChar char="•"/>
+              <a:defRPr sz="2667" kern="1200">
+                <a:solidFill>
+                  <a:schemeClr val="tx1"/>
+                </a:solidFill>
+                <a:latin typeface="+mn-lt"/>
+                <a:ea typeface="+mn-ea"/>
+                <a:cs typeface="+mn-cs"/>
+              </a:defRPr>
+            </a:lvl6pPr>
+            <a:lvl7pPr marL="3962301" indent="-304792" algn="l" defTabSz="609585" rtl="0" eaLnBrk="1" latinLnBrk="0" hangingPunct="1">
+              <a:spcBef>
+                <a:spcPct val="20000"/>
+              </a:spcBef>
+              <a:buFont typeface="Arial"/>
+              <a:buChar char="•"/>
+              <a:defRPr sz="2667" kern="1200">
+                <a:solidFill>
+                  <a:schemeClr val="tx1"/>
+                </a:solidFill>
+                <a:latin typeface="+mn-lt"/>
+                <a:ea typeface="+mn-ea"/>
+                <a:cs typeface="+mn-cs"/>
+              </a:defRPr>
+            </a:lvl7pPr>
+            <a:lvl8pPr marL="4571886" indent="-304792" algn="l" defTabSz="609585" rtl="0" eaLnBrk="1" latinLnBrk="0" hangingPunct="1">
+              <a:spcBef>
+                <a:spcPct val="20000"/>
+              </a:spcBef>
+              <a:buFont typeface="Arial"/>
+              <a:buChar char="•"/>
+              <a:defRPr sz="2667" kern="1200">
+                <a:solidFill>
+                  <a:schemeClr val="tx1"/>
+                </a:solidFill>
+                <a:latin typeface="+mn-lt"/>
+                <a:ea typeface="+mn-ea"/>
+                <a:cs typeface="+mn-cs"/>
+              </a:defRPr>
+            </a:lvl8pPr>
+            <a:lvl9pPr marL="5181470" indent="-304792" algn="l" defTabSz="609585" rtl="0" eaLnBrk="1" latinLnBrk="0" hangingPunct="1">
+              <a:spcBef>
+                <a:spcPct val="20000"/>
+              </a:spcBef>
+              <a:buFont typeface="Arial"/>
+              <a:buChar char="•"/>
+              <a:defRPr sz="2667" kern="1200">
+                <a:solidFill>
+                  <a:schemeClr val="tx1"/>
+                </a:solidFill>
+                <a:latin typeface="+mn-lt"/>
+                <a:ea typeface="+mn-ea"/>
+                <a:cs typeface="+mn-cs"/>
+              </a:defRPr>
+            </a:lvl9pPr>
+          </a:lstStyle>
           <a:p>
             <a:r>
               <a:rPr lang="en-GB" dirty="0"/>
-              <a:t>[2] Dominic </a:t>
-            </a:r>
-            <a:r>
-              <a:rPr lang="en-GB" dirty="0" err="1"/>
-              <a:t>Kempf</a:t>
-            </a:r>
+              <a:t>Goals:</a:t>
+            </a:r>
+          </a:p>
+          <a:p>
+            <a:pPr marL="342900" indent="-342900">
+              <a:buFont typeface="Arial" panose="020B0604020202020204" pitchFamily="34" charset="0"/>
+              <a:buChar char="•"/>
+            </a:pPr>
             <a:r>
               <a:rPr lang="en-GB" dirty="0"/>
-              <a:t> et al. Automatic Code Generation for High-Performance Discontinuous </a:t>
-            </a:r>
-            <a:r>
-              <a:rPr lang="en-GB" dirty="0" err="1"/>
-              <a:t>Galerkin</a:t>
-            </a:r>
+              <a:t>Supporting a large range of problems </a:t>
+            </a:r>
+          </a:p>
+          <a:p>
+            <a:pPr marL="342900" indent="-342900">
+              <a:buFont typeface="Arial" panose="020B0604020202020204" pitchFamily="34" charset="0"/>
+              <a:buChar char="•"/>
+            </a:pPr>
             <a:r>
               <a:rPr lang="en-GB" dirty="0"/>
-              <a:t> Methods on Modern Architectures. 2018. DOI: 10.48550/ARXIV.1812. 08075. URL: https://arxiv.org/abs/1812.08075.</a:t>
+              <a:t>Generating code that is faster than the current default code </a:t>
+            </a:r>
+          </a:p>
+          <a:p>
+            <a:pPr marL="342900" indent="-342900">
+              <a:buFont typeface="Arial" panose="020B0604020202020204" pitchFamily="34" charset="0"/>
+              <a:buChar char="•"/>
+            </a:pPr>
+            <a:r>
+              <a:rPr lang="en-GB" dirty="0"/>
+              <a:t>User friendly</a:t>
+            </a:r>
+          </a:p>
+          <a:p>
+            <a:pPr marL="342900" indent="-342900">
+              <a:buFont typeface="Arial" panose="020B0604020202020204" pitchFamily="34" charset="0"/>
+              <a:buChar char="•"/>
+            </a:pPr>
+            <a:r>
+              <a:rPr lang="en-GB" dirty="0"/>
+              <a:t>Practical to use</a:t>
             </a:r>
           </a:p>
         </p:txBody>
@@ -7802,7 +7833,7 @@
     </p:spTree>
     <p:extLst>
       <p:ext uri="{BB962C8B-B14F-4D97-AF65-F5344CB8AC3E}">
-        <p14:creationId xmlns:p14="http://schemas.microsoft.com/office/powerpoint/2010/main" val="4224312775"/>
+        <p14:creationId xmlns:p14="http://schemas.microsoft.com/office/powerpoint/2010/main" val="3010692290"/>
       </p:ext>
     </p:extLst>
   </p:cSld>
